--- a/Lending-Club-Case-study-Presentation_final.pptx
+++ b/Lending-Club-Case-study-Presentation_final.pptx
@@ -5,7 +5,7 @@
     <p:sldMasterId id="2147483684" r:id="rId1"/>
   </p:sldMasterIdLst>
   <p:notesMasterIdLst>
-    <p:notesMasterId r:id="rId21"/>
+    <p:notesMasterId r:id="rId19"/>
   </p:notesMasterIdLst>
   <p:sldIdLst>
     <p:sldId id="256" r:id="rId2"/>
@@ -24,24 +24,22 @@
     <p:sldId id="283" r:id="rId15"/>
     <p:sldId id="284" r:id="rId16"/>
     <p:sldId id="285" r:id="rId17"/>
-    <p:sldId id="277" r:id="rId18"/>
-    <p:sldId id="278" r:id="rId19"/>
-    <p:sldId id="279" r:id="rId20"/>
+    <p:sldId id="279" r:id="rId18"/>
   </p:sldIdLst>
   <p:sldSz cx="9144000" cy="6858000" type="screen4x3"/>
   <p:notesSz cx="6858000" cy="9144000"/>
   <p:embeddedFontLst>
     <p:embeddedFont>
       <p:font typeface="Corbel" panose="020B0503020204020204" pitchFamily="34" charset="0"/>
-      <p:regular r:id="rId22"/>
-      <p:bold r:id="rId23"/>
-      <p:italic r:id="rId24"/>
-      <p:boldItalic r:id="rId25"/>
+      <p:regular r:id="rId20"/>
+      <p:bold r:id="rId21"/>
+      <p:italic r:id="rId22"/>
+      <p:boldItalic r:id="rId23"/>
     </p:embeddedFont>
     <p:embeddedFont>
       <p:font typeface="Gill Sans" panose="020B0604020202020204" charset="0"/>
-      <p:regular r:id="rId26"/>
-      <p:bold r:id="rId27"/>
+      <p:regular r:id="rId24"/>
+      <p:bold r:id="rId25"/>
     </p:embeddedFont>
   </p:embeddedFontLst>
   <p:defaultTextStyle>
@@ -155,7 +153,7 @@
       </p15:sldGuideLst>
     </p:ext>
     <p:ext uri="GoogleSlidesCustomDataVersion2">
-      <go:slidesCustomData xmlns:go="http://customooxmlschemas.google.com/" xmlns:ahyp="http://schemas.microsoft.com/office/drawing/2018/hyperlinkcolor" xmlns:p15="http://schemas.microsoft.com/office/powerpoint/2012/main" xmlns:p14="http://schemas.microsoft.com/office/powerpoint/2010/main" xmlns:com="http://schemas.openxmlformats.org/drawingml/2006/compatibility" xmlns:pvml="urn:schemas-microsoft-com:office:powerpoint" xmlns:v="urn:schemas-microsoft-com:vml" xmlns:o="urn:schemas-microsoft-com:office:office" xmlns:dgm="http://schemas.openxmlformats.org/drawingml/2006/diagram" xmlns:c="http://schemas.openxmlformats.org/drawingml/2006/chart" xmlns:mv="urn:schemas-microsoft-com:mac:vml" xmlns:mc="http://schemas.openxmlformats.org/markup-compatibility/2006" xmlns="" r:id="rId32" roundtripDataSignature="AMtx7milCX0jy/QFhynH6FHogf5j2k81DQ=="/>
+      <go:slidesCustomData xmlns="" xmlns:mc="http://schemas.openxmlformats.org/markup-compatibility/2006" xmlns:mv="urn:schemas-microsoft-com:mac:vml" xmlns:c="http://schemas.openxmlformats.org/drawingml/2006/chart" xmlns:dgm="http://schemas.openxmlformats.org/drawingml/2006/diagram" xmlns:o="urn:schemas-microsoft-com:office:office" xmlns:v="urn:schemas-microsoft-com:vml" xmlns:pvml="urn:schemas-microsoft-com:office:powerpoint" xmlns:com="http://schemas.openxmlformats.org/drawingml/2006/compatibility" xmlns:p14="http://schemas.microsoft.com/office/powerpoint/2010/main" xmlns:p15="http://schemas.microsoft.com/office/powerpoint/2012/main" xmlns:ahyp="http://schemas.microsoft.com/office/drawing/2018/hyperlinkcolor" xmlns:go="http://customooxmlschemas.google.com/" r:id="rId32" roundtripDataSignature="AMtx7milCX0jy/QFhynH6FHogf5j2k81DQ=="/>
     </p:ext>
   </p:extLst>
 </p:presentation>
@@ -174,7 +172,7 @@
   <pc:docChgLst>
     <pc:chgData name="Srivatchala.Thilagaraj" userId="47087566-be4a-460c-a4cd-7694708fdd52" providerId="ADAL" clId="{E729057A-746F-40F6-A9EB-74E55C6F965F}"/>
     <pc:docChg chg="undo custSel addSld delSld modSld sldOrd">
-      <pc:chgData name="Srivatchala.Thilagaraj" userId="47087566-be4a-460c-a4cd-7694708fdd52" providerId="ADAL" clId="{E729057A-746F-40F6-A9EB-74E55C6F965F}" dt="2024-08-21T05:14:36.701" v="312" actId="113"/>
+      <pc:chgData name="Srivatchala.Thilagaraj" userId="47087566-be4a-460c-a4cd-7694708fdd52" providerId="ADAL" clId="{E729057A-746F-40F6-A9EB-74E55C6F965F}" dt="2024-08-21T05:30:40.388" v="314" actId="47"/>
       <pc:docMkLst>
         <pc:docMk/>
       </pc:docMkLst>
@@ -213,6 +211,20 @@
         <pc:sldMkLst>
           <pc:docMk/>
           <pc:sldMk cId="0" sldId="269"/>
+        </pc:sldMkLst>
+      </pc:sldChg>
+      <pc:sldChg chg="del">
+        <pc:chgData name="Srivatchala.Thilagaraj" userId="47087566-be4a-460c-a4cd-7694708fdd52" providerId="ADAL" clId="{E729057A-746F-40F6-A9EB-74E55C6F965F}" dt="2024-08-21T05:30:37.388" v="313" actId="47"/>
+        <pc:sldMkLst>
+          <pc:docMk/>
+          <pc:sldMk cId="0" sldId="277"/>
+        </pc:sldMkLst>
+      </pc:sldChg>
+      <pc:sldChg chg="del">
+        <pc:chgData name="Srivatchala.Thilagaraj" userId="47087566-be4a-460c-a4cd-7694708fdd52" providerId="ADAL" clId="{E729057A-746F-40F6-A9EB-74E55C6F965F}" dt="2024-08-21T05:30:40.388" v="314" actId="47"/>
+        <pc:sldMkLst>
+          <pc:docMk/>
+          <pc:sldMk cId="0" sldId="278"/>
         </pc:sldMkLst>
       </pc:sldChg>
       <pc:sldChg chg="addSp modSp mod">
@@ -2553,214 +2565,6 @@
 </file>
 
 <file path=ppt/notesSlides/notesSlide17.xml><?xml version="1.0" encoding="utf-8"?>
-<p:notes xmlns:a="http://schemas.openxmlformats.org/drawingml/2006/main" xmlns:r="http://schemas.openxmlformats.org/officeDocument/2006/relationships" xmlns:p="http://schemas.openxmlformats.org/presentationml/2006/main" showMasterSp="0" showMasterPhAnim="0">
-  <p:cSld>
-    <p:spTree>
-      <p:nvGrpSpPr>
-        <p:cNvPr id="1" name="Shape 291"/>
-        <p:cNvGrpSpPr/>
-        <p:nvPr/>
-      </p:nvGrpSpPr>
-      <p:grpSpPr>
-        <a:xfrm>
-          <a:off x="0" y="0"/>
-          <a:ext cx="0" cy="0"/>
-          <a:chOff x="0" y="0"/>
-          <a:chExt cx="0" cy="0"/>
-        </a:xfrm>
-      </p:grpSpPr>
-      <p:sp>
-        <p:nvSpPr>
-          <p:cNvPr id="292" name="Google Shape;292;p20:notes"/>
-          <p:cNvSpPr txBox="1">
-            <a:spLocks noGrp="1"/>
-          </p:cNvSpPr>
-          <p:nvPr>
-            <p:ph type="body" idx="1"/>
-          </p:nvPr>
-        </p:nvSpPr>
-        <p:spPr>
-          <a:xfrm>
-            <a:off x="685800" y="4343400"/>
-            <a:ext cx="5486400" cy="4114800"/>
-          </a:xfrm>
-          <a:prstGeom prst="rect">
-            <a:avLst/>
-          </a:prstGeom>
-        </p:spPr>
-        <p:txBody>
-          <a:bodyPr spcFirstLastPara="1" wrap="square" lIns="91425" tIns="45700" rIns="91425" bIns="45700" anchor="t" anchorCtr="0">
-            <a:noAutofit/>
-          </a:bodyPr>
-          <a:lstStyle/>
-          <a:p>
-            <a:pPr marL="0" lvl="0" indent="0" algn="l" rtl="0">
-              <a:spcBef>
-                <a:spcPts val="0"/>
-              </a:spcBef>
-              <a:spcAft>
-                <a:spcPts val="0"/>
-              </a:spcAft>
-              <a:buNone/>
-            </a:pPr>
-            <a:endParaRPr/>
-          </a:p>
-        </p:txBody>
-      </p:sp>
-      <p:sp>
-        <p:nvSpPr>
-          <p:cNvPr id="293" name="Google Shape;293;p20:notes"/>
-          <p:cNvSpPr>
-            <a:spLocks noGrp="1" noRot="1" noChangeAspect="1"/>
-          </p:cNvSpPr>
-          <p:nvPr>
-            <p:ph type="sldImg" idx="2"/>
-          </p:nvPr>
-        </p:nvSpPr>
-        <p:spPr>
-          <a:xfrm>
-            <a:off x="1143000" y="685800"/>
-            <a:ext cx="4572000" cy="3429000"/>
-          </a:xfrm>
-          <a:custGeom>
-            <a:avLst/>
-            <a:gdLst/>
-            <a:ahLst/>
-            <a:cxnLst/>
-            <a:rect l="l" t="t" r="r" b="b"/>
-            <a:pathLst>
-              <a:path w="120000" h="120000" extrusionOk="0">
-                <a:moveTo>
-                  <a:pt x="0" y="0"/>
-                </a:moveTo>
-                <a:lnTo>
-                  <a:pt x="120000" y="0"/>
-                </a:lnTo>
-                <a:lnTo>
-                  <a:pt x="120000" y="120000"/>
-                </a:lnTo>
-                <a:lnTo>
-                  <a:pt x="0" y="120000"/>
-                </a:lnTo>
-                <a:close/>
-              </a:path>
-            </a:pathLst>
-          </a:custGeom>
-        </p:spPr>
-      </p:sp>
-    </p:spTree>
-  </p:cSld>
-  <p:clrMapOvr>
-    <a:masterClrMapping/>
-  </p:clrMapOvr>
-</p:notes>
-</file>
-
-<file path=ppt/notesSlides/notesSlide18.xml><?xml version="1.0" encoding="utf-8"?>
-<p:notes xmlns:a="http://schemas.openxmlformats.org/drawingml/2006/main" xmlns:r="http://schemas.openxmlformats.org/officeDocument/2006/relationships" xmlns:p="http://schemas.openxmlformats.org/presentationml/2006/main" showMasterSp="0" showMasterPhAnim="0">
-  <p:cSld>
-    <p:spTree>
-      <p:nvGrpSpPr>
-        <p:cNvPr id="1" name="Shape 298"/>
-        <p:cNvGrpSpPr/>
-        <p:nvPr/>
-      </p:nvGrpSpPr>
-      <p:grpSpPr>
-        <a:xfrm>
-          <a:off x="0" y="0"/>
-          <a:ext cx="0" cy="0"/>
-          <a:chOff x="0" y="0"/>
-          <a:chExt cx="0" cy="0"/>
-        </a:xfrm>
-      </p:grpSpPr>
-      <p:sp>
-        <p:nvSpPr>
-          <p:cNvPr id="299" name="Google Shape;299;p21:notes"/>
-          <p:cNvSpPr txBox="1">
-            <a:spLocks noGrp="1"/>
-          </p:cNvSpPr>
-          <p:nvPr>
-            <p:ph type="body" idx="1"/>
-          </p:nvPr>
-        </p:nvSpPr>
-        <p:spPr>
-          <a:xfrm>
-            <a:off x="685800" y="4343400"/>
-            <a:ext cx="5486400" cy="4114800"/>
-          </a:xfrm>
-          <a:prstGeom prst="rect">
-            <a:avLst/>
-          </a:prstGeom>
-        </p:spPr>
-        <p:txBody>
-          <a:bodyPr spcFirstLastPara="1" wrap="square" lIns="91425" tIns="45700" rIns="91425" bIns="45700" anchor="t" anchorCtr="0">
-            <a:noAutofit/>
-          </a:bodyPr>
-          <a:lstStyle/>
-          <a:p>
-            <a:pPr marL="0" lvl="0" indent="0" algn="l" rtl="0">
-              <a:spcBef>
-                <a:spcPts val="0"/>
-              </a:spcBef>
-              <a:spcAft>
-                <a:spcPts val="0"/>
-              </a:spcAft>
-              <a:buNone/>
-            </a:pPr>
-            <a:endParaRPr/>
-          </a:p>
-        </p:txBody>
-      </p:sp>
-      <p:sp>
-        <p:nvSpPr>
-          <p:cNvPr id="300" name="Google Shape;300;p21:notes"/>
-          <p:cNvSpPr>
-            <a:spLocks noGrp="1" noRot="1" noChangeAspect="1"/>
-          </p:cNvSpPr>
-          <p:nvPr>
-            <p:ph type="sldImg" idx="2"/>
-          </p:nvPr>
-        </p:nvSpPr>
-        <p:spPr>
-          <a:xfrm>
-            <a:off x="1143000" y="685800"/>
-            <a:ext cx="4572000" cy="3429000"/>
-          </a:xfrm>
-          <a:custGeom>
-            <a:avLst/>
-            <a:gdLst/>
-            <a:ahLst/>
-            <a:cxnLst/>
-            <a:rect l="l" t="t" r="r" b="b"/>
-            <a:pathLst>
-              <a:path w="120000" h="120000" extrusionOk="0">
-                <a:moveTo>
-                  <a:pt x="0" y="0"/>
-                </a:moveTo>
-                <a:lnTo>
-                  <a:pt x="120000" y="0"/>
-                </a:lnTo>
-                <a:lnTo>
-                  <a:pt x="120000" y="120000"/>
-                </a:lnTo>
-                <a:lnTo>
-                  <a:pt x="0" y="120000"/>
-                </a:lnTo>
-                <a:close/>
-              </a:path>
-            </a:pathLst>
-          </a:custGeom>
-        </p:spPr>
-      </p:sp>
-    </p:spTree>
-  </p:cSld>
-  <p:clrMapOvr>
-    <a:masterClrMapping/>
-  </p:clrMapOvr>
-</p:notes>
-</file>
-
-<file path=ppt/notesSlides/notesSlide19.xml><?xml version="1.0" encoding="utf-8"?>
 <p:notes xmlns:a="http://schemas.openxmlformats.org/drawingml/2006/main" xmlns:r="http://schemas.openxmlformats.org/officeDocument/2006/relationships" xmlns:p="http://schemas.openxmlformats.org/presentationml/2006/main" showMasterSp="0" showMasterPhAnim="0">
   <p:cSld>
     <p:spTree>
@@ -9539,642 +9343,6 @@
 </file>
 
 <file path=ppt/slides/slide17.xml><?xml version="1.0" encoding="utf-8"?>
-<p:sld xmlns:a="http://schemas.openxmlformats.org/drawingml/2006/main" xmlns:r="http://schemas.openxmlformats.org/officeDocument/2006/relationships" xmlns:p="http://schemas.openxmlformats.org/presentationml/2006/main">
-  <p:cSld>
-    <p:spTree>
-      <p:nvGrpSpPr>
-        <p:cNvPr id="1" name="Shape 294"/>
-        <p:cNvGrpSpPr/>
-        <p:nvPr/>
-      </p:nvGrpSpPr>
-      <p:grpSpPr>
-        <a:xfrm>
-          <a:off x="0" y="0"/>
-          <a:ext cx="0" cy="0"/>
-          <a:chOff x="0" y="0"/>
-          <a:chExt cx="0" cy="0"/>
-        </a:xfrm>
-      </p:grpSpPr>
-      <p:sp>
-        <p:nvSpPr>
-          <p:cNvPr id="295" name="Google Shape;295;p20"/>
-          <p:cNvSpPr txBox="1"/>
-          <p:nvPr/>
-        </p:nvSpPr>
-        <p:spPr>
-          <a:xfrm>
-            <a:off x="1094509" y="678657"/>
-            <a:ext cx="7148945" cy="775638"/>
-          </a:xfrm>
-          <a:prstGeom prst="rect">
-            <a:avLst/>
-          </a:prstGeom>
-          <a:noFill/>
-          <a:ln>
-            <a:noFill/>
-          </a:ln>
-        </p:spPr>
-        <p:txBody>
-          <a:bodyPr spcFirstLastPara="1" wrap="square" lIns="91425" tIns="45700" rIns="91425" bIns="45700" anchor="t" anchorCtr="0">
-            <a:normAutofit/>
-          </a:bodyPr>
-          <a:lstStyle/>
-          <a:p>
-            <a:pPr marL="82296" marR="0" lvl="0" indent="0" algn="l" rtl="0">
-              <a:lnSpc>
-                <a:spcPct val="100000"/>
-              </a:lnSpc>
-              <a:spcBef>
-                <a:spcPts val="0"/>
-              </a:spcBef>
-              <a:spcAft>
-                <a:spcPts val="0"/>
-              </a:spcAft>
-              <a:buClr>
-                <a:schemeClr val="accent1"/>
-              </a:buClr>
-              <a:buSzPts val="2240"/>
-              <a:buFont typeface="Noto Sans Symbols"/>
-              <a:buNone/>
-            </a:pPr>
-            <a:r>
-              <a:rPr lang="en-US" sz="2800" b="1">
-                <a:solidFill>
-                  <a:schemeClr val="dk1"/>
-                </a:solidFill>
-                <a:latin typeface="Gill Sans"/>
-                <a:ea typeface="Gill Sans"/>
-                <a:cs typeface="Gill Sans"/>
-                <a:sym typeface="Gill Sans"/>
-              </a:rPr>
-              <a:t>Conclusions</a:t>
-            </a:r>
-            <a:endParaRPr sz="2800" b="1">
-              <a:solidFill>
-                <a:schemeClr val="dk1"/>
-              </a:solidFill>
-              <a:latin typeface="Gill Sans"/>
-              <a:ea typeface="Gill Sans"/>
-              <a:cs typeface="Gill Sans"/>
-              <a:sym typeface="Gill Sans"/>
-            </a:endParaRPr>
-          </a:p>
-        </p:txBody>
-      </p:sp>
-      <p:sp>
-        <p:nvSpPr>
-          <p:cNvPr id="296" name="Google Shape;296;p20"/>
-          <p:cNvSpPr txBox="1"/>
-          <p:nvPr/>
-        </p:nvSpPr>
-        <p:spPr>
-          <a:xfrm>
-            <a:off x="1239982" y="1371600"/>
-            <a:ext cx="7162800" cy="5791200"/>
-          </a:xfrm>
-          <a:prstGeom prst="rect">
-            <a:avLst/>
-          </a:prstGeom>
-          <a:noFill/>
-          <a:ln>
-            <a:noFill/>
-          </a:ln>
-        </p:spPr>
-        <p:txBody>
-          <a:bodyPr spcFirstLastPara="1" wrap="square" lIns="91425" tIns="45700" rIns="91425" bIns="45700" anchor="t" anchorCtr="0">
-            <a:noAutofit/>
-          </a:bodyPr>
-          <a:lstStyle/>
-          <a:p>
-            <a:pPr marL="0" marR="0" lvl="0" indent="0" algn="l" rtl="0">
-              <a:spcBef>
-                <a:spcPts val="0"/>
-              </a:spcBef>
-              <a:spcAft>
-                <a:spcPts val="0"/>
-              </a:spcAft>
-              <a:buClr>
-                <a:srgbClr val="562214"/>
-              </a:buClr>
-              <a:buSzPts val="1600"/>
-              <a:buFont typeface="Gill Sans"/>
-              <a:buNone/>
-            </a:pPr>
-            <a:endParaRPr sz="1600">
-              <a:solidFill>
-                <a:srgbClr val="562214"/>
-              </a:solidFill>
-              <a:latin typeface="Gill Sans"/>
-              <a:ea typeface="Gill Sans"/>
-              <a:cs typeface="Gill Sans"/>
-              <a:sym typeface="Gill Sans"/>
-            </a:endParaRPr>
-          </a:p>
-          <a:p>
-            <a:pPr marL="0" marR="0" lvl="0" indent="0" algn="l" rtl="0">
-              <a:spcBef>
-                <a:spcPts val="0"/>
-              </a:spcBef>
-              <a:spcAft>
-                <a:spcPts val="0"/>
-              </a:spcAft>
-              <a:buClr>
-                <a:srgbClr val="562214"/>
-              </a:buClr>
-              <a:buSzPts val="1600"/>
-              <a:buFont typeface="Gill Sans"/>
-              <a:buNone/>
-            </a:pPr>
-            <a:endParaRPr sz="1600">
-              <a:solidFill>
-                <a:schemeClr val="dk1"/>
-              </a:solidFill>
-              <a:latin typeface="Gill Sans"/>
-              <a:ea typeface="Gill Sans"/>
-              <a:cs typeface="Gill Sans"/>
-              <a:sym typeface="Gill Sans"/>
-            </a:endParaRPr>
-          </a:p>
-        </p:txBody>
-      </p:sp>
-      <p:sp>
-        <p:nvSpPr>
-          <p:cNvPr id="297" name="Google Shape;297;p20"/>
-          <p:cNvSpPr txBox="1"/>
-          <p:nvPr/>
-        </p:nvSpPr>
-        <p:spPr>
-          <a:xfrm>
-            <a:off x="1239982" y="1371600"/>
-            <a:ext cx="7162800" cy="4495800"/>
-          </a:xfrm>
-          <a:prstGeom prst="rect">
-            <a:avLst/>
-          </a:prstGeom>
-          <a:noFill/>
-          <a:ln>
-            <a:noFill/>
-          </a:ln>
-        </p:spPr>
-        <p:txBody>
-          <a:bodyPr spcFirstLastPara="1" wrap="square" lIns="91425" tIns="45700" rIns="91425" bIns="45700" anchor="t" anchorCtr="0">
-            <a:noAutofit/>
-          </a:bodyPr>
-          <a:lstStyle/>
-          <a:p>
-            <a:pPr marL="0" marR="0" lvl="0" indent="0" algn="l" rtl="0">
-              <a:spcBef>
-                <a:spcPts val="0"/>
-              </a:spcBef>
-              <a:spcAft>
-                <a:spcPts val="0"/>
-              </a:spcAft>
-              <a:buClr>
-                <a:schemeClr val="dk1"/>
-              </a:buClr>
-              <a:buSzPts val="2000"/>
-              <a:buFont typeface="Gill Sans"/>
-              <a:buNone/>
-            </a:pPr>
-            <a:r>
-              <a:rPr lang="en-US" sz="2000" b="1" dirty="0">
-                <a:solidFill>
-                  <a:schemeClr val="dk1"/>
-                </a:solidFill>
-                <a:latin typeface="Gill Sans"/>
-                <a:ea typeface="Gill Sans"/>
-                <a:cs typeface="Gill Sans"/>
-                <a:sym typeface="Gill Sans"/>
-              </a:rPr>
-              <a:t>Recommendations for better quality Borrowers</a:t>
-            </a:r>
-            <a:endParaRPr dirty="0"/>
-          </a:p>
-          <a:p>
-            <a:pPr marL="0" marR="0" lvl="0" indent="0" algn="l" rtl="0">
-              <a:spcBef>
-                <a:spcPts val="0"/>
-              </a:spcBef>
-              <a:spcAft>
-                <a:spcPts val="0"/>
-              </a:spcAft>
-              <a:buClr>
-                <a:srgbClr val="562214"/>
-              </a:buClr>
-              <a:buSzPts val="1600"/>
-              <a:buFont typeface="Gill Sans"/>
-              <a:buNone/>
-            </a:pPr>
-            <a:endParaRPr sz="1600" b="1" dirty="0">
-              <a:solidFill>
-                <a:schemeClr val="dk1"/>
-              </a:solidFill>
-              <a:latin typeface="Gill Sans"/>
-              <a:ea typeface="Gill Sans"/>
-              <a:cs typeface="Gill Sans"/>
-              <a:sym typeface="Gill Sans"/>
-            </a:endParaRPr>
-          </a:p>
-          <a:p>
-            <a:pPr marL="285750" marR="0" lvl="0" indent="-184150" algn="l" rtl="0">
-              <a:spcBef>
-                <a:spcPts val="0"/>
-              </a:spcBef>
-              <a:spcAft>
-                <a:spcPts val="0"/>
-              </a:spcAft>
-              <a:buClr>
-                <a:srgbClr val="562214"/>
-              </a:buClr>
-              <a:buSzPts val="1600"/>
-              <a:buFont typeface="Noto Sans Symbols"/>
-              <a:buNone/>
-            </a:pPr>
-            <a:endParaRPr sz="1600" b="1" dirty="0">
-              <a:solidFill>
-                <a:schemeClr val="dk1"/>
-              </a:solidFill>
-              <a:latin typeface="Gill Sans"/>
-              <a:ea typeface="Gill Sans"/>
-              <a:cs typeface="Gill Sans"/>
-              <a:sym typeface="Gill Sans"/>
-            </a:endParaRPr>
-          </a:p>
-          <a:p>
-            <a:pPr marL="285750" marR="0" lvl="0" indent="-184150" algn="l" rtl="0">
-              <a:spcBef>
-                <a:spcPts val="0"/>
-              </a:spcBef>
-              <a:spcAft>
-                <a:spcPts val="0"/>
-              </a:spcAft>
-              <a:buClr>
-                <a:srgbClr val="562214"/>
-              </a:buClr>
-              <a:buSzPts val="1600"/>
-              <a:buFont typeface="Noto Sans Symbols"/>
-              <a:buNone/>
-            </a:pPr>
-            <a:endParaRPr sz="1600" b="1" dirty="0">
-              <a:solidFill>
-                <a:schemeClr val="dk1"/>
-              </a:solidFill>
-              <a:latin typeface="Gill Sans"/>
-              <a:ea typeface="Gill Sans"/>
-              <a:cs typeface="Gill Sans"/>
-              <a:sym typeface="Gill Sans"/>
-            </a:endParaRPr>
-          </a:p>
-        </p:txBody>
-      </p:sp>
-    </p:spTree>
-  </p:cSld>
-  <p:clrMapOvr>
-    <a:masterClrMapping/>
-  </p:clrMapOvr>
-</p:sld>
-</file>
-
-<file path=ppt/slides/slide18.xml><?xml version="1.0" encoding="utf-8"?>
-<p:sld xmlns:a="http://schemas.openxmlformats.org/drawingml/2006/main" xmlns:r="http://schemas.openxmlformats.org/officeDocument/2006/relationships" xmlns:p="http://schemas.openxmlformats.org/presentationml/2006/main">
-  <p:cSld>
-    <p:spTree>
-      <p:nvGrpSpPr>
-        <p:cNvPr id="1" name="Shape 301"/>
-        <p:cNvGrpSpPr/>
-        <p:nvPr/>
-      </p:nvGrpSpPr>
-      <p:grpSpPr>
-        <a:xfrm>
-          <a:off x="0" y="0"/>
-          <a:ext cx="0" cy="0"/>
-          <a:chOff x="0" y="0"/>
-          <a:chExt cx="0" cy="0"/>
-        </a:xfrm>
-      </p:grpSpPr>
-      <p:sp>
-        <p:nvSpPr>
-          <p:cNvPr id="302" name="Google Shape;302;p21"/>
-          <p:cNvSpPr txBox="1"/>
-          <p:nvPr/>
-        </p:nvSpPr>
-        <p:spPr>
-          <a:xfrm>
-            <a:off x="1094509" y="678657"/>
-            <a:ext cx="7148945" cy="775638"/>
-          </a:xfrm>
-          <a:prstGeom prst="rect">
-            <a:avLst/>
-          </a:prstGeom>
-          <a:noFill/>
-          <a:ln>
-            <a:noFill/>
-          </a:ln>
-        </p:spPr>
-        <p:txBody>
-          <a:bodyPr spcFirstLastPara="1" wrap="square" lIns="91425" tIns="45700" rIns="91425" bIns="45700" anchor="t" anchorCtr="0">
-            <a:normAutofit/>
-          </a:bodyPr>
-          <a:lstStyle/>
-          <a:p>
-            <a:pPr marL="82296" marR="0" lvl="0" indent="0" algn="l" rtl="0">
-              <a:lnSpc>
-                <a:spcPct val="100000"/>
-              </a:lnSpc>
-              <a:spcBef>
-                <a:spcPts val="0"/>
-              </a:spcBef>
-              <a:spcAft>
-                <a:spcPts val="0"/>
-              </a:spcAft>
-              <a:buClr>
-                <a:schemeClr val="accent1"/>
-              </a:buClr>
-              <a:buSzPts val="2240"/>
-              <a:buFont typeface="Noto Sans Symbols"/>
-              <a:buNone/>
-            </a:pPr>
-            <a:r>
-              <a:rPr lang="en-US" sz="2800" b="1">
-                <a:solidFill>
-                  <a:schemeClr val="dk1"/>
-                </a:solidFill>
-                <a:latin typeface="Gill Sans"/>
-                <a:ea typeface="Gill Sans"/>
-                <a:cs typeface="Gill Sans"/>
-                <a:sym typeface="Gill Sans"/>
-              </a:rPr>
-              <a:t>References</a:t>
-            </a:r>
-            <a:endParaRPr/>
-          </a:p>
-        </p:txBody>
-      </p:sp>
-      <p:sp>
-        <p:nvSpPr>
-          <p:cNvPr id="303" name="Google Shape;303;p21"/>
-          <p:cNvSpPr txBox="1"/>
-          <p:nvPr/>
-        </p:nvSpPr>
-        <p:spPr>
-          <a:xfrm>
-            <a:off x="1239982" y="1371600"/>
-            <a:ext cx="7162800" cy="5791200"/>
-          </a:xfrm>
-          <a:prstGeom prst="rect">
-            <a:avLst/>
-          </a:prstGeom>
-          <a:noFill/>
-          <a:ln>
-            <a:noFill/>
-          </a:ln>
-        </p:spPr>
-        <p:txBody>
-          <a:bodyPr spcFirstLastPara="1" wrap="square" lIns="91425" tIns="45700" rIns="91425" bIns="45700" anchor="t" anchorCtr="0">
-            <a:noAutofit/>
-          </a:bodyPr>
-          <a:lstStyle/>
-          <a:p>
-            <a:pPr marL="0" marR="0" lvl="0" indent="0" algn="l" rtl="0">
-              <a:spcBef>
-                <a:spcPts val="0"/>
-              </a:spcBef>
-              <a:spcAft>
-                <a:spcPts val="0"/>
-              </a:spcAft>
-              <a:buClr>
-                <a:srgbClr val="562214"/>
-              </a:buClr>
-              <a:buSzPts val="1600"/>
-              <a:buFont typeface="Gill Sans"/>
-              <a:buNone/>
-            </a:pPr>
-            <a:endParaRPr sz="1600">
-              <a:solidFill>
-                <a:srgbClr val="562214"/>
-              </a:solidFill>
-              <a:latin typeface="Gill Sans"/>
-              <a:ea typeface="Gill Sans"/>
-              <a:cs typeface="Gill Sans"/>
-              <a:sym typeface="Gill Sans"/>
-            </a:endParaRPr>
-          </a:p>
-          <a:p>
-            <a:pPr marL="0" marR="0" lvl="0" indent="0" algn="l" rtl="0">
-              <a:spcBef>
-                <a:spcPts val="0"/>
-              </a:spcBef>
-              <a:spcAft>
-                <a:spcPts val="0"/>
-              </a:spcAft>
-              <a:buClr>
-                <a:srgbClr val="562214"/>
-              </a:buClr>
-              <a:buSzPts val="1600"/>
-              <a:buFont typeface="Gill Sans"/>
-              <a:buNone/>
-            </a:pPr>
-            <a:endParaRPr sz="1600">
-              <a:solidFill>
-                <a:schemeClr val="dk1"/>
-              </a:solidFill>
-              <a:latin typeface="Gill Sans"/>
-              <a:ea typeface="Gill Sans"/>
-              <a:cs typeface="Gill Sans"/>
-              <a:sym typeface="Gill Sans"/>
-            </a:endParaRPr>
-          </a:p>
-        </p:txBody>
-      </p:sp>
-      <p:sp>
-        <p:nvSpPr>
-          <p:cNvPr id="304" name="Google Shape;304;p21"/>
-          <p:cNvSpPr txBox="1"/>
-          <p:nvPr/>
-        </p:nvSpPr>
-        <p:spPr>
-          <a:xfrm>
-            <a:off x="1239982" y="2209800"/>
-            <a:ext cx="5770418" cy="2057400"/>
-          </a:xfrm>
-          <a:prstGeom prst="rect">
-            <a:avLst/>
-          </a:prstGeom>
-          <a:noFill/>
-          <a:ln>
-            <a:noFill/>
-          </a:ln>
-        </p:spPr>
-        <p:txBody>
-          <a:bodyPr spcFirstLastPara="1" wrap="square" lIns="91425" tIns="45700" rIns="91425" bIns="45700" anchor="t" anchorCtr="0">
-            <a:noAutofit/>
-          </a:bodyPr>
-          <a:lstStyle/>
-          <a:p>
-            <a:pPr marL="0" marR="0" lvl="0" indent="0" algn="l" rtl="0">
-              <a:spcBef>
-                <a:spcPts val="0"/>
-              </a:spcBef>
-              <a:spcAft>
-                <a:spcPts val="0"/>
-              </a:spcAft>
-              <a:buClr>
-                <a:schemeClr val="dk1"/>
-              </a:buClr>
-              <a:buSzPts val="1600"/>
-              <a:buFont typeface="Gill Sans"/>
-              <a:buNone/>
-            </a:pPr>
-            <a:r>
-              <a:rPr lang="en-US" sz="1600" b="1" dirty="0">
-                <a:solidFill>
-                  <a:schemeClr val="dk1"/>
-                </a:solidFill>
-                <a:latin typeface="Gill Sans"/>
-                <a:ea typeface="Gill Sans"/>
-                <a:cs typeface="Gill Sans"/>
-                <a:sym typeface="Gill Sans"/>
-              </a:rPr>
-              <a:t>Git Hub URL:</a:t>
-            </a:r>
-            <a:endParaRPr dirty="0"/>
-          </a:p>
-          <a:p>
-            <a:pPr marL="0" marR="0" lvl="0" indent="0" algn="l" rtl="0">
-              <a:spcBef>
-                <a:spcPts val="0"/>
-              </a:spcBef>
-              <a:spcAft>
-                <a:spcPts val="0"/>
-              </a:spcAft>
-              <a:buClr>
-                <a:srgbClr val="562214"/>
-              </a:buClr>
-              <a:buSzPts val="1600"/>
-              <a:buFont typeface="Gill Sans"/>
-              <a:buNone/>
-            </a:pPr>
-            <a:endParaRPr sz="1600" b="1" dirty="0">
-              <a:solidFill>
-                <a:schemeClr val="dk1"/>
-              </a:solidFill>
-              <a:latin typeface="Gill Sans"/>
-              <a:ea typeface="Gill Sans"/>
-              <a:cs typeface="Gill Sans"/>
-              <a:sym typeface="Gill Sans"/>
-            </a:endParaRPr>
-          </a:p>
-          <a:p>
-            <a:pPr marL="0" marR="0" lvl="0" indent="0" algn="l" rtl="0">
-              <a:spcBef>
-                <a:spcPts val="0"/>
-              </a:spcBef>
-              <a:spcAft>
-                <a:spcPts val="0"/>
-              </a:spcAft>
-              <a:buClr>
-                <a:srgbClr val="562214"/>
-              </a:buClr>
-              <a:buSzPts val="1600"/>
-              <a:buFont typeface="Gill Sans"/>
-              <a:buNone/>
-            </a:pPr>
-            <a:endParaRPr sz="1600" b="1" dirty="0">
-              <a:solidFill>
-                <a:schemeClr val="dk1"/>
-              </a:solidFill>
-              <a:latin typeface="Gill Sans"/>
-              <a:ea typeface="Gill Sans"/>
-              <a:cs typeface="Gill Sans"/>
-              <a:sym typeface="Gill Sans"/>
-            </a:endParaRPr>
-          </a:p>
-          <a:p>
-            <a:pPr marL="0" marR="0" lvl="0" indent="0" algn="l" rtl="0">
-              <a:spcBef>
-                <a:spcPts val="0"/>
-              </a:spcBef>
-              <a:spcAft>
-                <a:spcPts val="0"/>
-              </a:spcAft>
-              <a:buClr>
-                <a:srgbClr val="562214"/>
-              </a:buClr>
-              <a:buSzPts val="1600"/>
-              <a:buFont typeface="Gill Sans"/>
-              <a:buNone/>
-            </a:pPr>
-            <a:endParaRPr sz="1600" dirty="0">
-              <a:solidFill>
-                <a:schemeClr val="dk1"/>
-              </a:solidFill>
-              <a:latin typeface="Gill Sans"/>
-              <a:ea typeface="Gill Sans"/>
-              <a:cs typeface="Gill Sans"/>
-              <a:sym typeface="Gill Sans"/>
-            </a:endParaRPr>
-          </a:p>
-          <a:p>
-            <a:pPr marL="0" marR="0" lvl="0" indent="0" algn="l" rtl="0">
-              <a:spcBef>
-                <a:spcPts val="0"/>
-              </a:spcBef>
-              <a:spcAft>
-                <a:spcPts val="0"/>
-              </a:spcAft>
-              <a:buClr>
-                <a:srgbClr val="562214"/>
-              </a:buClr>
-              <a:buSzPts val="1600"/>
-              <a:buFont typeface="Gill Sans"/>
-              <a:buNone/>
-            </a:pPr>
-            <a:endParaRPr sz="1600" dirty="0">
-              <a:solidFill>
-                <a:srgbClr val="562214"/>
-              </a:solidFill>
-              <a:latin typeface="Gill Sans"/>
-              <a:ea typeface="Gill Sans"/>
-              <a:cs typeface="Gill Sans"/>
-              <a:sym typeface="Gill Sans"/>
-            </a:endParaRPr>
-          </a:p>
-          <a:p>
-            <a:pPr marL="0" marR="0" lvl="0" indent="0" algn="l" rtl="0">
-              <a:spcBef>
-                <a:spcPts val="0"/>
-              </a:spcBef>
-              <a:spcAft>
-                <a:spcPts val="0"/>
-              </a:spcAft>
-              <a:buClr>
-                <a:srgbClr val="562214"/>
-              </a:buClr>
-              <a:buSzPts val="1600"/>
-              <a:buFont typeface="Gill Sans"/>
-              <a:buNone/>
-            </a:pPr>
-            <a:endParaRPr sz="1600" dirty="0">
-              <a:solidFill>
-                <a:schemeClr val="dk1"/>
-              </a:solidFill>
-              <a:latin typeface="Gill Sans"/>
-              <a:ea typeface="Gill Sans"/>
-              <a:cs typeface="Gill Sans"/>
-              <a:sym typeface="Gill Sans"/>
-            </a:endParaRPr>
-          </a:p>
-        </p:txBody>
-      </p:sp>
-    </p:spTree>
-  </p:cSld>
-  <p:clrMapOvr>
-    <a:masterClrMapping/>
-  </p:clrMapOvr>
-</p:sld>
-</file>
-
-<file path=ppt/slides/slide19.xml><?xml version="1.0" encoding="utf-8"?>
 <p:sld xmlns:a="http://schemas.openxmlformats.org/drawingml/2006/main" xmlns:r="http://schemas.openxmlformats.org/officeDocument/2006/relationships" xmlns:p="http://schemas.openxmlformats.org/presentationml/2006/main">
   <p:cSld>
     <p:spTree>
